--- a/Project 1/project details/project1 power point.pptx
+++ b/Project 1/project details/project1 power point.pptx
@@ -17,7 +17,6 @@
     <p:sldId id="260" r:id="rId11"/>
     <p:sldId id="261" r:id="rId12"/>
     <p:sldId id="262" r:id="rId13"/>
-    <p:sldId id="263" r:id="rId14"/>
   </p:sldIdLst>
   <p:sldSz cy="6858000" cx="9144000"/>
   <p:notesSz cx="7772400" cy="10058400"/>
@@ -252,7 +251,7 @@
   </p:defaultTextStyle>
   <p:extLst>
     <p:ext uri="GoogleSlidesCustomDataVersion2">
-      <go:slidesCustomData xmlns:go="http://customooxmlschemas.google.com/" r:id="rId15" roundtripDataSignature="AMtx7mgNy1F0vQ4UAVgjU0tPn2RTD1aEsw=="/>
+      <go:slidesCustomData xmlns:go="http://customooxmlschemas.google.com/" r:id="rId14" roundtripDataSignature="AMtx7mi3aJYd1H7WGRMM/H1QYy1ZG3QI7g=="/>
     </p:ext>
   </p:extLst>
 </p:presentation>
@@ -1377,105 +1376,6 @@
 </p:notes>
 </file>
 
-<file path=ppt/notesSlides/notesSlide8.xml><?xml version="1.0" encoding="utf-8"?>
-<p:notes xmlns:a="http://schemas.openxmlformats.org/drawingml/2006/main" xmlns:r="http://schemas.openxmlformats.org/officeDocument/2006/relationships" xmlns:mc="http://schemas.openxmlformats.org/markup-compatibility/2006" xmlns:mv="urn:schemas-microsoft-com:mac:vml" xmlns:p="http://schemas.openxmlformats.org/presentationml/2006/main" xmlns:c="http://schemas.openxmlformats.org/drawingml/2006/chart" xmlns:dgm="http://schemas.openxmlformats.org/drawingml/2006/diagram" xmlns:o="urn:schemas-microsoft-com:office:office" xmlns:v="urn:schemas-microsoft-com:vml" xmlns:pvml="urn:schemas-microsoft-com:office:powerpoint" xmlns:com="http://schemas.openxmlformats.org/drawingml/2006/compatibility" xmlns:p14="http://schemas.microsoft.com/office/powerpoint/2010/main" xmlns:p15="http://schemas.microsoft.com/office/powerpoint/2012/main" xmlns:ahyp="http://schemas.microsoft.com/office/drawing/2018/hyperlinkcolor" showMasterPhAnim="0" showMasterSp="0">
-  <p:cSld>
-    <p:spTree>
-      <p:nvGrpSpPr>
-        <p:cNvPr id="97" name="Shape 97"/>
-        <p:cNvGrpSpPr/>
-        <p:nvPr/>
-      </p:nvGrpSpPr>
-      <p:grpSpPr>
-        <a:xfrm>
-          <a:off x="0" y="0"/>
-          <a:ext cx="0" cy="0"/>
-          <a:chOff x="0" y="0"/>
-          <a:chExt cx="0" cy="0"/>
-        </a:xfrm>
-      </p:grpSpPr>
-      <p:sp>
-        <p:nvSpPr>
-          <p:cNvPr id="98" name="Google Shape;98;p9:notes"/>
-          <p:cNvSpPr txBox="1"/>
-          <p:nvPr>
-            <p:ph idx="1" type="body"/>
-          </p:nvPr>
-        </p:nvSpPr>
-        <p:spPr>
-          <a:xfrm>
-            <a:off x="777225" y="4777725"/>
-            <a:ext cx="6217900" cy="4526275"/>
-          </a:xfrm>
-          <a:prstGeom prst="rect">
-            <a:avLst/>
-          </a:prstGeom>
-        </p:spPr>
-        <p:txBody>
-          <a:bodyPr anchorCtr="0" anchor="t" bIns="91425" lIns="91425" spcFirstLastPara="1" rIns="91425" wrap="square" tIns="91425">
-            <a:noAutofit/>
-          </a:bodyPr>
-          <a:lstStyle/>
-          <a:p>
-            <a:pPr indent="0" lvl="0" marL="0" rtl="0" algn="l">
-              <a:spcBef>
-                <a:spcPts val="0"/>
-              </a:spcBef>
-              <a:spcAft>
-                <a:spcPts val="0"/>
-              </a:spcAft>
-              <a:buNone/>
-            </a:pPr>
-            <a:r>
-              <a:t/>
-            </a:r>
-            <a:endParaRPr/>
-          </a:p>
-        </p:txBody>
-      </p:sp>
-      <p:sp>
-        <p:nvSpPr>
-          <p:cNvPr id="99" name="Google Shape;99;p9:notes"/>
-          <p:cNvSpPr/>
-          <p:nvPr>
-            <p:ph idx="2" type="sldImg"/>
-          </p:nvPr>
-        </p:nvSpPr>
-        <p:spPr>
-          <a:xfrm>
-            <a:off x="1295650" y="754375"/>
-            <a:ext cx="5181850" cy="3771900"/>
-          </a:xfrm>
-          <a:custGeom>
-            <a:rect b="b" l="l" r="r" t="t"/>
-            <a:pathLst>
-              <a:path extrusionOk="0" h="120000" w="120000">
-                <a:moveTo>
-                  <a:pt x="0" y="0"/>
-                </a:moveTo>
-                <a:lnTo>
-                  <a:pt x="120000" y="0"/>
-                </a:lnTo>
-                <a:lnTo>
-                  <a:pt x="120000" y="120000"/>
-                </a:lnTo>
-                <a:lnTo>
-                  <a:pt x="0" y="120000"/>
-                </a:lnTo>
-                <a:close/>
-              </a:path>
-            </a:pathLst>
-          </a:custGeom>
-        </p:spPr>
-      </p:sp>
-    </p:spTree>
-  </p:cSld>
-  <p:clrMapOvr>
-    <a:masterClrMapping/>
-  </p:clrMapOvr>
-</p:notes>
-</file>
-
 <file path=ppt/slideLayouts/slideLayout1.xml><?xml version="1.0" encoding="utf-8"?>
 <p:sldLayout xmlns:a="http://schemas.openxmlformats.org/drawingml/2006/main" xmlns:r="http://schemas.openxmlformats.org/officeDocument/2006/relationships" xmlns:mc="http://schemas.openxmlformats.org/markup-compatibility/2006" xmlns:mv="urn:schemas-microsoft-com:mac:vml" xmlns:p="http://schemas.openxmlformats.org/presentationml/2006/main" xmlns:c="http://schemas.openxmlformats.org/drawingml/2006/chart" xmlns:dgm="http://schemas.openxmlformats.org/drawingml/2006/diagram" xmlns:o="urn:schemas-microsoft-com:office:office" xmlns:v="urn:schemas-microsoft-com:vml" xmlns:pvml="urn:schemas-microsoft-com:office:powerpoint" xmlns:com="http://schemas.openxmlformats.org/drawingml/2006/compatibility" xmlns:p14="http://schemas.microsoft.com/office/powerpoint/2010/main" xmlns:p15="http://schemas.microsoft.com/office/powerpoint/2012/main" xmlns:ahyp="http://schemas.microsoft.com/office/drawing/2018/hyperlinkcolor" matchingName="Title Slide" type="title">
   <p:cSld name="TITLE">
@@ -12368,6 +12268,22 @@
               <a:buChar char="○"/>
             </a:pPr>
             <a:r>
+              <a:rPr lang="en-US" sz="1700">
+                <a:solidFill>
+                  <a:schemeClr val="dk1"/>
+                </a:solidFill>
+              </a:rPr>
+              <a:t>Manage</a:t>
+            </a:r>
+            <a:r>
+              <a:rPr lang="en-US" sz="1700">
+                <a:solidFill>
+                  <a:schemeClr val="dk1"/>
+                </a:solidFill>
+              </a:rPr>
+              <a:t> </a:t>
+            </a:r>
+            <a:r>
               <a:rPr i="0" lang="en-US" sz="1700" u="none" cap="none" strike="noStrike">
                 <a:solidFill>
                   <a:schemeClr val="dk1"/>
@@ -12678,216 +12594,10 @@
 </p:sld>
 </file>
 
-<file path=ppt/slides/slide8.xml><?xml version="1.0" encoding="utf-8"?>
-<p:sld xmlns:a="http://schemas.openxmlformats.org/drawingml/2006/main" xmlns:r="http://schemas.openxmlformats.org/officeDocument/2006/relationships" xmlns:mc="http://schemas.openxmlformats.org/markup-compatibility/2006" xmlns:mv="urn:schemas-microsoft-com:mac:vml" xmlns:p="http://schemas.openxmlformats.org/presentationml/2006/main" xmlns:c="http://schemas.openxmlformats.org/drawingml/2006/chart" xmlns:dgm="http://schemas.openxmlformats.org/drawingml/2006/diagram" xmlns:o="urn:schemas-microsoft-com:office:office" xmlns:v="urn:schemas-microsoft-com:vml" xmlns:pvml="urn:schemas-microsoft-com:office:powerpoint" xmlns:com="http://schemas.openxmlformats.org/drawingml/2006/compatibility" xmlns:p14="http://schemas.microsoft.com/office/powerpoint/2010/main" xmlns:p15="http://schemas.microsoft.com/office/powerpoint/2012/main" xmlns:ahyp="http://schemas.microsoft.com/office/drawing/2018/hyperlinkcolor">
-  <p:cSld>
-    <p:spTree>
-      <p:nvGrpSpPr>
-        <p:cNvPr id="100" name="Shape 100"/>
-        <p:cNvGrpSpPr/>
-        <p:nvPr/>
-      </p:nvGrpSpPr>
-      <p:grpSpPr>
-        <a:xfrm>
-          <a:off x="0" y="0"/>
-          <a:ext cx="0" cy="0"/>
-          <a:chOff x="0" y="0"/>
-          <a:chExt cx="0" cy="0"/>
-        </a:xfrm>
-      </p:grpSpPr>
-      <p:sp>
-        <p:nvSpPr>
-          <p:cNvPr id="101" name="Google Shape;101;p9"/>
-          <p:cNvSpPr txBox="1"/>
-          <p:nvPr>
-            <p:ph type="title"/>
-          </p:nvPr>
-        </p:nvSpPr>
-        <p:spPr>
-          <a:xfrm>
-            <a:off x="457200" y="274680"/>
-            <a:ext cx="8229240" cy="1142640"/>
-          </a:xfrm>
-          <a:prstGeom prst="rect">
-            <a:avLst/>
-          </a:prstGeom>
-          <a:noFill/>
-          <a:ln>
-            <a:noFill/>
-          </a:ln>
-        </p:spPr>
-        <p:txBody>
-          <a:bodyPr anchorCtr="0" anchor="ctr" bIns="45700" lIns="91425" spcFirstLastPara="1" rIns="91425" wrap="square" tIns="45700">
-            <a:noAutofit/>
-          </a:bodyPr>
-          <a:lstStyle/>
-          <a:p>
-            <a:pPr indent="0" lvl="0" marL="0" rtl="0" algn="ctr">
-              <a:lnSpc>
-                <a:spcPct val="100000"/>
-              </a:lnSpc>
-              <a:spcBef>
-                <a:spcPts val="0"/>
-              </a:spcBef>
-              <a:spcAft>
-                <a:spcPts val="0"/>
-              </a:spcAft>
-              <a:buClr>
-                <a:schemeClr val="dk1"/>
-              </a:buClr>
-              <a:buSzPts val="4400"/>
-              <a:buFont typeface="Calibri"/>
-              <a:buNone/>
-            </a:pPr>
-            <a:r>
-              <a:rPr lang="en-US" sz="4400" u="none" strike="noStrike">
-                <a:solidFill>
-                  <a:schemeClr val="dk1"/>
-                </a:solidFill>
-              </a:rPr>
-              <a:t>Future Improvements</a:t>
-            </a:r>
-            <a:endParaRPr sz="4400" u="none" strike="noStrike">
-              <a:solidFill>
-                <a:schemeClr val="dk1"/>
-              </a:solidFill>
-            </a:endParaRPr>
-          </a:p>
-        </p:txBody>
-      </p:sp>
-      <p:sp>
-        <p:nvSpPr>
-          <p:cNvPr id="102" name="Google Shape;102;p9"/>
-          <p:cNvSpPr txBox="1"/>
-          <p:nvPr>
-            <p:ph idx="1" type="body"/>
-          </p:nvPr>
-        </p:nvSpPr>
-        <p:spPr>
-          <a:xfrm>
-            <a:off x="457200" y="1600200"/>
-            <a:ext cx="8229240" cy="4525560"/>
-          </a:xfrm>
-          <a:prstGeom prst="rect">
-            <a:avLst/>
-          </a:prstGeom>
-          <a:noFill/>
-          <a:ln>
-            <a:noFill/>
-          </a:ln>
-        </p:spPr>
-        <p:txBody>
-          <a:bodyPr anchorCtr="0" anchor="t" bIns="45700" lIns="91425" spcFirstLastPara="1" rIns="91425" wrap="square" tIns="45700">
-            <a:noAutofit/>
-          </a:bodyPr>
-          <a:lstStyle/>
-          <a:p>
-            <a:pPr indent="-343080" lvl="0" marL="343080" marR="0" rtl="0" algn="l">
-              <a:lnSpc>
-                <a:spcPct val="100000"/>
-              </a:lnSpc>
-              <a:spcBef>
-                <a:spcPts val="0"/>
-              </a:spcBef>
-              <a:spcAft>
-                <a:spcPts val="0"/>
-              </a:spcAft>
-              <a:buClr>
-                <a:srgbClr val="000000"/>
-              </a:buClr>
-              <a:buSzPts val="3200"/>
-              <a:buChar char="•"/>
-            </a:pPr>
-            <a:r>
-              <a:rPr i="0" lang="en-US" sz="3200" u="none" cap="none" strike="noStrike">
-                <a:solidFill>
-                  <a:schemeClr val="dk1"/>
-                </a:solidFill>
-              </a:rPr>
-              <a:t>Implement a graphical user interface (GUI)</a:t>
-            </a:r>
-            <a:endParaRPr i="0" sz="3200" u="none" cap="none" strike="noStrike">
-              <a:solidFill>
-                <a:schemeClr val="dk1"/>
-              </a:solidFill>
-            </a:endParaRPr>
-          </a:p>
-          <a:p>
-            <a:pPr indent="-343080" lvl="0" marL="343080" marR="0" rtl="0" algn="l">
-              <a:lnSpc>
-                <a:spcPct val="100000"/>
-              </a:lnSpc>
-              <a:spcBef>
-                <a:spcPts val="641"/>
-              </a:spcBef>
-              <a:spcAft>
-                <a:spcPts val="0"/>
-              </a:spcAft>
-              <a:buClr>
-                <a:srgbClr val="000000"/>
-              </a:buClr>
-              <a:buSzPts val="3200"/>
-              <a:buChar char="•"/>
-            </a:pPr>
-            <a:r>
-              <a:rPr i="0" lang="en-US" sz="3200" u="none" cap="none" strike="noStrike">
-                <a:solidFill>
-                  <a:schemeClr val="dk1"/>
-                </a:solidFill>
-              </a:rPr>
-              <a:t>Add support for more payment options</a:t>
-            </a:r>
-            <a:endParaRPr i="0" sz="3200" u="none" cap="none" strike="noStrike">
-              <a:solidFill>
-                <a:schemeClr val="dk1"/>
-              </a:solidFill>
-            </a:endParaRPr>
-          </a:p>
-          <a:p>
-            <a:pPr indent="-343080" lvl="0" marL="343080" marR="0" rtl="0" algn="l">
-              <a:lnSpc>
-                <a:spcPct val="100000"/>
-              </a:lnSpc>
-              <a:spcBef>
-                <a:spcPts val="641"/>
-              </a:spcBef>
-              <a:spcAft>
-                <a:spcPts val="0"/>
-              </a:spcAft>
-              <a:buClr>
-                <a:srgbClr val="000000"/>
-              </a:buClr>
-              <a:buSzPts val="3200"/>
-              <a:buChar char="•"/>
-            </a:pPr>
-            <a:r>
-              <a:rPr i="0" lang="en-US" sz="3200" u="none" cap="none" strike="noStrike">
-                <a:solidFill>
-                  <a:schemeClr val="dk1"/>
-                </a:solidFill>
-              </a:rPr>
-              <a:t>Implement a recommendation system for books</a:t>
-            </a:r>
-            <a:endParaRPr i="0" sz="3200" u="none" cap="none" strike="noStrike">
-              <a:solidFill>
-                <a:schemeClr val="dk1"/>
-              </a:solidFill>
-            </a:endParaRPr>
-          </a:p>
-        </p:txBody>
-      </p:sp>
-    </p:spTree>
-  </p:cSld>
-  <p:clrMapOvr>
-    <a:masterClrMapping/>
-  </p:clrMapOvr>
-</p:sld>
-</file>
-
 <file path=ppt/theme/theme1.xml><?xml version="1.0" encoding="utf-8"?>
-<a:theme xmlns:a="http://schemas.openxmlformats.org/drawingml/2006/main" xmlns:r="http://schemas.openxmlformats.org/officeDocument/2006/relationships">
+<a:theme xmlns:a="http://schemas.openxmlformats.org/drawingml/2006/main" xmlns:r="http://schemas.openxmlformats.org/officeDocument/2006/relationships" name="Office Theme">
   <a:themeElements>
-    <a:clrScheme name="Default">
+    <a:clrScheme name="Office">
       <a:dk1>
         <a:srgbClr val="000000"/>
       </a:dk1>
@@ -12895,34 +12605,34 @@
         <a:srgbClr val="FFFFFF"/>
       </a:lt1>
       <a:dk2>
-        <a:srgbClr val="158158"/>
+        <a:srgbClr val="1F497D"/>
       </a:dk2>
       <a:lt2>
-        <a:srgbClr val="F3F3F3"/>
+        <a:srgbClr val="EEECE1"/>
       </a:lt2>
       <a:accent1>
-        <a:srgbClr val="058DC7"/>
+        <a:srgbClr val="4F81BD"/>
       </a:accent1>
       <a:accent2>
-        <a:srgbClr val="50B432"/>
+        <a:srgbClr val="C0504D"/>
       </a:accent2>
       <a:accent3>
-        <a:srgbClr val="ED561B"/>
+        <a:srgbClr val="9BBB59"/>
       </a:accent3>
       <a:accent4>
-        <a:srgbClr val="EDEF00"/>
+        <a:srgbClr val="8064A2"/>
       </a:accent4>
       <a:accent5>
-        <a:srgbClr val="24CBE5"/>
+        <a:srgbClr val="4BACC6"/>
       </a:accent5>
       <a:accent6>
-        <a:srgbClr val="64E572"/>
+        <a:srgbClr val="F79646"/>
       </a:accent6>
       <a:hlink>
-        <a:srgbClr val="2200CC"/>
+        <a:srgbClr val="0000FF"/>
       </a:hlink>
       <a:folHlink>
-        <a:srgbClr val="551A8B"/>
+        <a:srgbClr val="800080"/>
       </a:folHlink>
     </a:clrScheme>
     <a:fontScheme name="Office">
@@ -13722,9 +13432,9 @@
 </file>
 
 <file path=ppt/theme/theme4.xml><?xml version="1.0" encoding="utf-8"?>
-<a:theme xmlns:a="http://schemas.openxmlformats.org/drawingml/2006/main" xmlns:r="http://schemas.openxmlformats.org/officeDocument/2006/relationships" name="Office Theme">
+<a:theme xmlns:a="http://schemas.openxmlformats.org/drawingml/2006/main" xmlns:r="http://schemas.openxmlformats.org/officeDocument/2006/relationships">
   <a:themeElements>
-    <a:clrScheme name="Office">
+    <a:clrScheme name="Default">
       <a:dk1>
         <a:srgbClr val="000000"/>
       </a:dk1>
@@ -13732,34 +13442,34 @@
         <a:srgbClr val="FFFFFF"/>
       </a:lt1>
       <a:dk2>
-        <a:srgbClr val="1F497D"/>
+        <a:srgbClr val="158158"/>
       </a:dk2>
       <a:lt2>
-        <a:srgbClr val="EEECE1"/>
+        <a:srgbClr val="F3F3F3"/>
       </a:lt2>
       <a:accent1>
-        <a:srgbClr val="4F81BD"/>
+        <a:srgbClr val="058DC7"/>
       </a:accent1>
       <a:accent2>
-        <a:srgbClr val="C0504D"/>
+        <a:srgbClr val="50B432"/>
       </a:accent2>
       <a:accent3>
-        <a:srgbClr val="9BBB59"/>
+        <a:srgbClr val="ED561B"/>
       </a:accent3>
       <a:accent4>
-        <a:srgbClr val="8064A2"/>
+        <a:srgbClr val="EDEF00"/>
       </a:accent4>
       <a:accent5>
-        <a:srgbClr val="4BACC6"/>
+        <a:srgbClr val="24CBE5"/>
       </a:accent5>
       <a:accent6>
-        <a:srgbClr val="F79646"/>
+        <a:srgbClr val="64E572"/>
       </a:accent6>
       <a:hlink>
-        <a:srgbClr val="0000FF"/>
+        <a:srgbClr val="2200CC"/>
       </a:hlink>
       <a:folHlink>
-        <a:srgbClr val="800080"/>
+        <a:srgbClr val="551A8B"/>
       </a:folHlink>
     </a:clrScheme>
     <a:fontScheme name="Office">

--- a/Project 1/project details/project1 power point.pptx
+++ b/Project 1/project details/project1 power point.pptx
@@ -1404,7 +1404,7 @@
         <p:spPr>
           <a:xfrm>
             <a:off x="457200" y="274680"/>
-            <a:ext cx="8229240" cy="1142640"/>
+            <a:ext cx="8229300" cy="1142700"/>
           </a:xfrm>
           <a:prstGeom prst="rect">
             <a:avLst/>
@@ -1533,7 +1533,7 @@
         <p:spPr>
           <a:xfrm>
             <a:off x="457200" y="1600200"/>
-            <a:ext cx="8229240" cy="4525560"/>
+            <a:ext cx="8229300" cy="4525500"/>
           </a:xfrm>
           <a:prstGeom prst="rect">
             <a:avLst/>
@@ -1662,7 +1662,7 @@
         <p:spPr>
           <a:xfrm>
             <a:off x="3124080" y="6356520"/>
-            <a:ext cx="2895120" cy="364680"/>
+            <a:ext cx="2895000" cy="364800"/>
           </a:xfrm>
           <a:prstGeom prst="rect">
             <a:avLst/>
@@ -1794,7 +1794,7 @@
         <p:spPr>
           <a:xfrm>
             <a:off x="6553080" y="6356520"/>
-            <a:ext cx="2133360" cy="364680"/>
+            <a:ext cx="2133300" cy="364800"/>
           </a:xfrm>
           <a:prstGeom prst="rect">
             <a:avLst/>
@@ -2046,7 +2046,7 @@
         <p:spPr>
           <a:xfrm>
             <a:off x="457200" y="6356520"/>
-            <a:ext cx="2133360" cy="364680"/>
+            <a:ext cx="2133300" cy="364800"/>
           </a:xfrm>
           <a:prstGeom prst="rect">
             <a:avLst/>
@@ -2206,7 +2206,7 @@
         <p:spPr>
           <a:xfrm>
             <a:off x="457200" y="274680"/>
-            <a:ext cx="8229240" cy="1142640"/>
+            <a:ext cx="8229300" cy="1142700"/>
           </a:xfrm>
           <a:prstGeom prst="rect">
             <a:avLst/>
@@ -2335,7 +2335,7 @@
         <p:spPr>
           <a:xfrm>
             <a:off x="457200" y="1600200"/>
-            <a:ext cx="8229240" cy="4525560"/>
+            <a:ext cx="8229300" cy="4525500"/>
           </a:xfrm>
           <a:prstGeom prst="rect">
             <a:avLst/>
@@ -2464,7 +2464,7 @@
         <p:spPr>
           <a:xfrm>
             <a:off x="3124080" y="6356520"/>
-            <a:ext cx="2895120" cy="364680"/>
+            <a:ext cx="2895000" cy="364800"/>
           </a:xfrm>
           <a:prstGeom prst="rect">
             <a:avLst/>
@@ -2596,7 +2596,7 @@
         <p:spPr>
           <a:xfrm>
             <a:off x="6553080" y="6356520"/>
-            <a:ext cx="2133360" cy="364680"/>
+            <a:ext cx="2133300" cy="364800"/>
           </a:xfrm>
           <a:prstGeom prst="rect">
             <a:avLst/>
@@ -2848,7 +2848,7 @@
         <p:spPr>
           <a:xfrm>
             <a:off x="457200" y="6356520"/>
-            <a:ext cx="2133360" cy="364680"/>
+            <a:ext cx="2133300" cy="364800"/>
           </a:xfrm>
           <a:prstGeom prst="rect">
             <a:avLst/>
@@ -3008,7 +3008,7 @@
         <p:spPr>
           <a:xfrm>
             <a:off x="457200" y="274680"/>
-            <a:ext cx="8229240" cy="1142640"/>
+            <a:ext cx="8229300" cy="1142700"/>
           </a:xfrm>
           <a:prstGeom prst="rect">
             <a:avLst/>
@@ -3137,7 +3137,7 @@
         <p:spPr>
           <a:xfrm>
             <a:off x="457200" y="1600200"/>
-            <a:ext cx="8229240" cy="4525560"/>
+            <a:ext cx="8229300" cy="4525500"/>
           </a:xfrm>
           <a:prstGeom prst="rect">
             <a:avLst/>
@@ -3266,7 +3266,7 @@
         <p:spPr>
           <a:xfrm>
             <a:off x="3124080" y="6356520"/>
-            <a:ext cx="2895120" cy="364680"/>
+            <a:ext cx="2895000" cy="364800"/>
           </a:xfrm>
           <a:prstGeom prst="rect">
             <a:avLst/>
@@ -3398,7 +3398,7 @@
         <p:spPr>
           <a:xfrm>
             <a:off x="6553080" y="6356520"/>
-            <a:ext cx="2133360" cy="364680"/>
+            <a:ext cx="2133300" cy="364800"/>
           </a:xfrm>
           <a:prstGeom prst="rect">
             <a:avLst/>
@@ -3650,7 +3650,7 @@
         <p:spPr>
           <a:xfrm>
             <a:off x="457200" y="6356520"/>
-            <a:ext cx="2133360" cy="364680"/>
+            <a:ext cx="2133300" cy="364800"/>
           </a:xfrm>
           <a:prstGeom prst="rect">
             <a:avLst/>
@@ -3810,7 +3810,7 @@
         <p:spPr>
           <a:xfrm>
             <a:off x="3124080" y="6356520"/>
-            <a:ext cx="2895120" cy="364680"/>
+            <a:ext cx="2895000" cy="364800"/>
           </a:xfrm>
           <a:prstGeom prst="rect">
             <a:avLst/>
@@ -3942,7 +3942,7 @@
         <p:spPr>
           <a:xfrm>
             <a:off x="6553080" y="6356520"/>
-            <a:ext cx="2133360" cy="364680"/>
+            <a:ext cx="2133300" cy="364800"/>
           </a:xfrm>
           <a:prstGeom prst="rect">
             <a:avLst/>
@@ -4194,7 +4194,7 @@
         <p:spPr>
           <a:xfrm>
             <a:off x="457200" y="6356520"/>
-            <a:ext cx="2133360" cy="364680"/>
+            <a:ext cx="2133300" cy="364800"/>
           </a:xfrm>
           <a:prstGeom prst="rect">
             <a:avLst/>
@@ -4354,7 +4354,7 @@
         <p:spPr>
           <a:xfrm>
             <a:off x="3124080" y="6356520"/>
-            <a:ext cx="2895120" cy="364680"/>
+            <a:ext cx="2895000" cy="364800"/>
           </a:xfrm>
           <a:prstGeom prst="rect">
             <a:avLst/>
@@ -4486,7 +4486,7 @@
         <p:spPr>
           <a:xfrm>
             <a:off x="6553080" y="6356520"/>
-            <a:ext cx="2133360" cy="364680"/>
+            <a:ext cx="2133300" cy="364800"/>
           </a:xfrm>
           <a:prstGeom prst="rect">
             <a:avLst/>
@@ -4738,7 +4738,7 @@
         <p:spPr>
           <a:xfrm>
             <a:off x="457200" y="6356520"/>
-            <a:ext cx="2133360" cy="364680"/>
+            <a:ext cx="2133300" cy="364800"/>
           </a:xfrm>
           <a:prstGeom prst="rect">
             <a:avLst/>
@@ -4898,7 +4898,7 @@
         <p:spPr>
           <a:xfrm>
             <a:off x="457200" y="274680"/>
-            <a:ext cx="8229240" cy="1142640"/>
+            <a:ext cx="8229300" cy="1142700"/>
           </a:xfrm>
           <a:prstGeom prst="rect">
             <a:avLst/>
@@ -5027,7 +5027,7 @@
         <p:spPr>
           <a:xfrm>
             <a:off x="3124080" y="6356520"/>
-            <a:ext cx="2895120" cy="364680"/>
+            <a:ext cx="2895000" cy="364800"/>
           </a:xfrm>
           <a:prstGeom prst="rect">
             <a:avLst/>
@@ -5159,7 +5159,7 @@
         <p:spPr>
           <a:xfrm>
             <a:off x="6553080" y="6356520"/>
-            <a:ext cx="2133360" cy="364680"/>
+            <a:ext cx="2133300" cy="364800"/>
           </a:xfrm>
           <a:prstGeom prst="rect">
             <a:avLst/>
@@ -5411,7 +5411,7 @@
         <p:spPr>
           <a:xfrm>
             <a:off x="457200" y="6356520"/>
-            <a:ext cx="2133360" cy="364680"/>
+            <a:ext cx="2133300" cy="364800"/>
           </a:xfrm>
           <a:prstGeom prst="rect">
             <a:avLst/>
@@ -5578,7 +5578,7 @@
         <p:spPr>
           <a:xfrm>
             <a:off x="685800" y="2130480"/>
-            <a:ext cx="7772040" cy="1469520"/>
+            <a:ext cx="7772100" cy="1469400"/>
           </a:xfrm>
           <a:prstGeom prst="rect">
             <a:avLst/>
@@ -5593,7 +5593,7 @@
             <a:noAutofit/>
           </a:bodyPr>
           <a:lstStyle>
-            <a:lvl1pPr lvl="0" marR="0" rtl="0" algn="l">
+            <a:lvl1pPr lvl="0" marR="0" algn="l">
               <a:spcBef>
                 <a:spcPts val="0"/>
               </a:spcBef>
@@ -5604,7 +5604,7 @@
               <a:buNone/>
               <a:defRPr b="0" i="0" sz="1800" u="none" cap="none" strike="noStrike"/>
             </a:lvl1pPr>
-            <a:lvl2pPr lvl="1" marR="0" rtl="0" algn="l">
+            <a:lvl2pPr lvl="1" marR="0" algn="l">
               <a:spcBef>
                 <a:spcPts val="0"/>
               </a:spcBef>
@@ -5615,7 +5615,7 @@
               <a:buNone/>
               <a:defRPr b="0" i="0" sz="1800" u="none" cap="none" strike="noStrike"/>
             </a:lvl2pPr>
-            <a:lvl3pPr lvl="2" marR="0" rtl="0" algn="l">
+            <a:lvl3pPr lvl="2" marR="0" algn="l">
               <a:spcBef>
                 <a:spcPts val="0"/>
               </a:spcBef>
@@ -5626,7 +5626,7 @@
               <a:buNone/>
               <a:defRPr b="0" i="0" sz="1800" u="none" cap="none" strike="noStrike"/>
             </a:lvl3pPr>
-            <a:lvl4pPr lvl="3" marR="0" rtl="0" algn="l">
+            <a:lvl4pPr lvl="3" marR="0" algn="l">
               <a:spcBef>
                 <a:spcPts val="0"/>
               </a:spcBef>
@@ -5637,7 +5637,7 @@
               <a:buNone/>
               <a:defRPr b="0" i="0" sz="1800" u="none" cap="none" strike="noStrike"/>
             </a:lvl4pPr>
-            <a:lvl5pPr lvl="4" marR="0" rtl="0" algn="l">
+            <a:lvl5pPr lvl="4" marR="0" algn="l">
               <a:spcBef>
                 <a:spcPts val="0"/>
               </a:spcBef>
@@ -5648,7 +5648,7 @@
               <a:buNone/>
               <a:defRPr b="0" i="0" sz="1800" u="none" cap="none" strike="noStrike"/>
             </a:lvl5pPr>
-            <a:lvl6pPr lvl="5" marR="0" rtl="0" algn="l">
+            <a:lvl6pPr lvl="5" marR="0" algn="l">
               <a:spcBef>
                 <a:spcPts val="0"/>
               </a:spcBef>
@@ -5659,7 +5659,7 @@
               <a:buNone/>
               <a:defRPr b="0" i="0" sz="1800" u="none" cap="none" strike="noStrike"/>
             </a:lvl6pPr>
-            <a:lvl7pPr lvl="6" marR="0" rtl="0" algn="l">
+            <a:lvl7pPr lvl="6" marR="0" algn="l">
               <a:spcBef>
                 <a:spcPts val="0"/>
               </a:spcBef>
@@ -5670,7 +5670,7 @@
               <a:buNone/>
               <a:defRPr b="0" i="0" sz="1800" u="none" cap="none" strike="noStrike"/>
             </a:lvl7pPr>
-            <a:lvl8pPr lvl="7" marR="0" rtl="0" algn="l">
+            <a:lvl8pPr lvl="7" marR="0" algn="l">
               <a:spcBef>
                 <a:spcPts val="0"/>
               </a:spcBef>
@@ -5681,7 +5681,7 @@
               <a:buNone/>
               <a:defRPr b="0" i="0" sz="1800" u="none" cap="none" strike="noStrike"/>
             </a:lvl8pPr>
-            <a:lvl9pPr lvl="8" marR="0" rtl="0" algn="l">
+            <a:lvl9pPr lvl="8" marR="0" algn="l">
               <a:spcBef>
                 <a:spcPts val="0"/>
               </a:spcBef>
@@ -5707,7 +5707,7 @@
         <p:spPr>
           <a:xfrm>
             <a:off x="457200" y="6356520"/>
-            <a:ext cx="2133360" cy="364680"/>
+            <a:ext cx="2133300" cy="364800"/>
           </a:xfrm>
           <a:prstGeom prst="rect">
             <a:avLst/>
@@ -5722,7 +5722,7 @@
             <a:noAutofit/>
           </a:bodyPr>
           <a:lstStyle>
-            <a:lvl1pPr lvl="0" marR="0" rtl="0" algn="l">
+            <a:lvl1pPr lvl="0" marR="0" algn="l">
               <a:lnSpc>
                 <a:spcPct val="100000"/>
               </a:lnSpc>
@@ -5748,7 +5748,7 @@
                 <a:sym typeface="Calibri"/>
               </a:defRPr>
             </a:lvl1pPr>
-            <a:lvl2pPr lvl="1" marR="0" rtl="0" algn="l">
+            <a:lvl2pPr lvl="1" marR="0" algn="l">
               <a:spcBef>
                 <a:spcPts val="0"/>
               </a:spcBef>
@@ -5759,7 +5759,7 @@
               <a:buNone/>
               <a:defRPr b="0" i="0" sz="1800" u="none" cap="none" strike="noStrike"/>
             </a:lvl2pPr>
-            <a:lvl3pPr lvl="2" marR="0" rtl="0" algn="l">
+            <a:lvl3pPr lvl="2" marR="0" algn="l">
               <a:spcBef>
                 <a:spcPts val="0"/>
               </a:spcBef>
@@ -5770,7 +5770,7 @@
               <a:buNone/>
               <a:defRPr b="0" i="0" sz="1800" u="none" cap="none" strike="noStrike"/>
             </a:lvl3pPr>
-            <a:lvl4pPr lvl="3" marR="0" rtl="0" algn="l">
+            <a:lvl4pPr lvl="3" marR="0" algn="l">
               <a:spcBef>
                 <a:spcPts val="0"/>
               </a:spcBef>
@@ -5781,7 +5781,7 @@
               <a:buNone/>
               <a:defRPr b="0" i="0" sz="1800" u="none" cap="none" strike="noStrike"/>
             </a:lvl4pPr>
-            <a:lvl5pPr lvl="4" marR="0" rtl="0" algn="l">
+            <a:lvl5pPr lvl="4" marR="0" algn="l">
               <a:spcBef>
                 <a:spcPts val="0"/>
               </a:spcBef>
@@ -5792,7 +5792,7 @@
               <a:buNone/>
               <a:defRPr b="0" i="0" sz="1800" u="none" cap="none" strike="noStrike"/>
             </a:lvl5pPr>
-            <a:lvl6pPr lvl="5" marR="0" rtl="0" algn="l">
+            <a:lvl6pPr lvl="5" marR="0" algn="l">
               <a:spcBef>
                 <a:spcPts val="0"/>
               </a:spcBef>
@@ -5803,7 +5803,7 @@
               <a:buNone/>
               <a:defRPr b="0" i="0" sz="1800" u="none" cap="none" strike="noStrike"/>
             </a:lvl6pPr>
-            <a:lvl7pPr lvl="6" marR="0" rtl="0" algn="l">
+            <a:lvl7pPr lvl="6" marR="0" algn="l">
               <a:spcBef>
                 <a:spcPts val="0"/>
               </a:spcBef>
@@ -5814,7 +5814,7 @@
               <a:buNone/>
               <a:defRPr b="0" i="0" sz="1800" u="none" cap="none" strike="noStrike"/>
             </a:lvl7pPr>
-            <a:lvl8pPr lvl="7" marR="0" rtl="0" algn="l">
+            <a:lvl8pPr lvl="7" marR="0" algn="l">
               <a:spcBef>
                 <a:spcPts val="0"/>
               </a:spcBef>
@@ -5825,7 +5825,7 @@
               <a:buNone/>
               <a:defRPr b="0" i="0" sz="1800" u="none" cap="none" strike="noStrike"/>
             </a:lvl8pPr>
-            <a:lvl9pPr lvl="8" marR="0" rtl="0" algn="l">
+            <a:lvl9pPr lvl="8" marR="0" algn="l">
               <a:spcBef>
                 <a:spcPts val="0"/>
               </a:spcBef>
@@ -5851,7 +5851,7 @@
         <p:spPr>
           <a:xfrm>
             <a:off x="3124080" y="6356520"/>
-            <a:ext cx="2895120" cy="364680"/>
+            <a:ext cx="2895000" cy="364800"/>
           </a:xfrm>
           <a:prstGeom prst="rect">
             <a:avLst/>
@@ -5866,7 +5866,7 @@
             <a:noAutofit/>
           </a:bodyPr>
           <a:lstStyle>
-            <a:lvl1pPr lvl="0" marR="0" rtl="0" algn="ctr">
+            <a:lvl1pPr lvl="0" marR="0" algn="ctr">
               <a:spcBef>
                 <a:spcPts val="0"/>
               </a:spcBef>
@@ -5889,7 +5889,7 @@
                 <a:sym typeface="Times New Roman"/>
               </a:defRPr>
             </a:lvl1pPr>
-            <a:lvl2pPr lvl="1" marR="0" rtl="0" algn="l">
+            <a:lvl2pPr lvl="1" marR="0" algn="l">
               <a:spcBef>
                 <a:spcPts val="0"/>
               </a:spcBef>
@@ -5900,7 +5900,7 @@
               <a:buNone/>
               <a:defRPr b="0" i="0" sz="1800" u="none" cap="none" strike="noStrike"/>
             </a:lvl2pPr>
-            <a:lvl3pPr lvl="2" marR="0" rtl="0" algn="l">
+            <a:lvl3pPr lvl="2" marR="0" algn="l">
               <a:spcBef>
                 <a:spcPts val="0"/>
               </a:spcBef>
@@ -5911,7 +5911,7 @@
               <a:buNone/>
               <a:defRPr b="0" i="0" sz="1800" u="none" cap="none" strike="noStrike"/>
             </a:lvl3pPr>
-            <a:lvl4pPr lvl="3" marR="0" rtl="0" algn="l">
+            <a:lvl4pPr lvl="3" marR="0" algn="l">
               <a:spcBef>
                 <a:spcPts val="0"/>
               </a:spcBef>
@@ -5922,7 +5922,7 @@
               <a:buNone/>
               <a:defRPr b="0" i="0" sz="1800" u="none" cap="none" strike="noStrike"/>
             </a:lvl4pPr>
-            <a:lvl5pPr lvl="4" marR="0" rtl="0" algn="l">
+            <a:lvl5pPr lvl="4" marR="0" algn="l">
               <a:spcBef>
                 <a:spcPts val="0"/>
               </a:spcBef>
@@ -5933,7 +5933,7 @@
               <a:buNone/>
               <a:defRPr b="0" i="0" sz="1800" u="none" cap="none" strike="noStrike"/>
             </a:lvl5pPr>
-            <a:lvl6pPr lvl="5" marR="0" rtl="0" algn="l">
+            <a:lvl6pPr lvl="5" marR="0" algn="l">
               <a:spcBef>
                 <a:spcPts val="0"/>
               </a:spcBef>
@@ -5944,7 +5944,7 @@
               <a:buNone/>
               <a:defRPr b="0" i="0" sz="1800" u="none" cap="none" strike="noStrike"/>
             </a:lvl6pPr>
-            <a:lvl7pPr lvl="6" marR="0" rtl="0" algn="l">
+            <a:lvl7pPr lvl="6" marR="0" algn="l">
               <a:spcBef>
                 <a:spcPts val="0"/>
               </a:spcBef>
@@ -5955,7 +5955,7 @@
               <a:buNone/>
               <a:defRPr b="0" i="0" sz="1800" u="none" cap="none" strike="noStrike"/>
             </a:lvl7pPr>
-            <a:lvl8pPr lvl="7" marR="0" rtl="0" algn="l">
+            <a:lvl8pPr lvl="7" marR="0" algn="l">
               <a:spcBef>
                 <a:spcPts val="0"/>
               </a:spcBef>
@@ -5966,7 +5966,7 @@
               <a:buNone/>
               <a:defRPr b="0" i="0" sz="1800" u="none" cap="none" strike="noStrike"/>
             </a:lvl8pPr>
-            <a:lvl9pPr lvl="8" marR="0" rtl="0" algn="l">
+            <a:lvl9pPr lvl="8" marR="0" algn="l">
               <a:spcBef>
                 <a:spcPts val="0"/>
               </a:spcBef>
@@ -5992,7 +5992,7 @@
         <p:spPr>
           <a:xfrm>
             <a:off x="6553080" y="6356520"/>
-            <a:ext cx="2133360" cy="364680"/>
+            <a:ext cx="2133300" cy="364800"/>
           </a:xfrm>
           <a:prstGeom prst="rect">
             <a:avLst/>
@@ -6007,7 +6007,7 @@
             <a:noAutofit/>
           </a:bodyPr>
           <a:lstStyle>
-            <a:lvl1pPr indent="0" lvl="0" marL="0" marR="0" rtl="0" algn="r">
+            <a:lvl1pPr indent="0" lvl="0" marL="0" marR="0" algn="r">
               <a:lnSpc>
                 <a:spcPct val="100000"/>
               </a:lnSpc>
@@ -6030,7 +6030,7 @@
                 <a:sym typeface="Calibri"/>
               </a:defRPr>
             </a:lvl1pPr>
-            <a:lvl2pPr indent="0" lvl="1" marL="0" marR="0" rtl="0" algn="r">
+            <a:lvl2pPr indent="0" lvl="1" marL="0" marR="0" algn="r">
               <a:lnSpc>
                 <a:spcPct val="100000"/>
               </a:lnSpc>
@@ -6053,7 +6053,7 @@
                 <a:sym typeface="Calibri"/>
               </a:defRPr>
             </a:lvl2pPr>
-            <a:lvl3pPr indent="0" lvl="2" marL="0" marR="0" rtl="0" algn="r">
+            <a:lvl3pPr indent="0" lvl="2" marL="0" marR="0" algn="r">
               <a:lnSpc>
                 <a:spcPct val="100000"/>
               </a:lnSpc>
@@ -6076,7 +6076,7 @@
                 <a:sym typeface="Calibri"/>
               </a:defRPr>
             </a:lvl3pPr>
-            <a:lvl4pPr indent="0" lvl="3" marL="0" marR="0" rtl="0" algn="r">
+            <a:lvl4pPr indent="0" lvl="3" marL="0" marR="0" algn="r">
               <a:lnSpc>
                 <a:spcPct val="100000"/>
               </a:lnSpc>
@@ -6099,7 +6099,7 @@
                 <a:sym typeface="Calibri"/>
               </a:defRPr>
             </a:lvl4pPr>
-            <a:lvl5pPr indent="0" lvl="4" marL="0" marR="0" rtl="0" algn="r">
+            <a:lvl5pPr indent="0" lvl="4" marL="0" marR="0" algn="r">
               <a:lnSpc>
                 <a:spcPct val="100000"/>
               </a:lnSpc>
@@ -6122,7 +6122,7 @@
                 <a:sym typeface="Calibri"/>
               </a:defRPr>
             </a:lvl5pPr>
-            <a:lvl6pPr indent="0" lvl="5" marL="0" marR="0" rtl="0" algn="r">
+            <a:lvl6pPr indent="0" lvl="5" marL="0" marR="0" algn="r">
               <a:lnSpc>
                 <a:spcPct val="100000"/>
               </a:lnSpc>
@@ -6145,7 +6145,7 @@
                 <a:sym typeface="Calibri"/>
               </a:defRPr>
             </a:lvl6pPr>
-            <a:lvl7pPr indent="0" lvl="6" marL="0" marR="0" rtl="0" algn="r">
+            <a:lvl7pPr indent="0" lvl="6" marL="0" marR="0" algn="r">
               <a:lnSpc>
                 <a:spcPct val="100000"/>
               </a:lnSpc>
@@ -6168,7 +6168,7 @@
                 <a:sym typeface="Calibri"/>
               </a:defRPr>
             </a:lvl7pPr>
-            <a:lvl8pPr indent="0" lvl="7" marL="0" marR="0" rtl="0" algn="r">
+            <a:lvl8pPr indent="0" lvl="7" marL="0" marR="0" algn="r">
               <a:lnSpc>
                 <a:spcPct val="100000"/>
               </a:lnSpc>
@@ -6191,7 +6191,7 @@
                 <a:sym typeface="Calibri"/>
               </a:defRPr>
             </a:lvl8pPr>
-            <a:lvl9pPr indent="0" lvl="8" marL="0" marR="0" rtl="0" algn="r">
+            <a:lvl9pPr indent="0" lvl="8" marL="0" marR="0" algn="r">
               <a:lnSpc>
                 <a:spcPct val="100000"/>
               </a:lnSpc>
@@ -6252,7 +6252,7 @@
         <p:spPr>
           <a:xfrm>
             <a:off x="457200" y="1604520"/>
-            <a:ext cx="8229240" cy="3977280"/>
+            <a:ext cx="8229300" cy="3977400"/>
           </a:xfrm>
           <a:prstGeom prst="rect">
             <a:avLst/>
@@ -6267,7 +6267,7 @@
             <a:normAutofit/>
           </a:bodyPr>
           <a:lstStyle>
-            <a:lvl1pPr indent="-228600" lvl="0" marL="457200" marR="0" rtl="0" algn="l">
+            <a:lvl1pPr indent="-228600" lvl="0" marL="457200" marR="0" algn="l">
               <a:spcBef>
                 <a:spcPts val="0"/>
               </a:spcBef>
@@ -6278,7 +6278,7 @@
               <a:buNone/>
               <a:defRPr b="0" i="0" sz="1800" u="none" cap="none" strike="noStrike"/>
             </a:lvl1pPr>
-            <a:lvl2pPr indent="-228600" lvl="1" marL="914400" marR="0" rtl="0" algn="l">
+            <a:lvl2pPr indent="-228600" lvl="1" marL="914400" marR="0" algn="l">
               <a:spcBef>
                 <a:spcPts val="0"/>
               </a:spcBef>
@@ -6289,7 +6289,7 @@
               <a:buNone/>
               <a:defRPr b="0" i="0" sz="1800" u="none" cap="none" strike="noStrike"/>
             </a:lvl2pPr>
-            <a:lvl3pPr indent="-228600" lvl="2" marL="1371600" marR="0" rtl="0" algn="l">
+            <a:lvl3pPr indent="-228600" lvl="2" marL="1371600" marR="0" algn="l">
               <a:spcBef>
                 <a:spcPts val="0"/>
               </a:spcBef>
@@ -6300,7 +6300,7 @@
               <a:buNone/>
               <a:defRPr b="0" i="0" sz="1800" u="none" cap="none" strike="noStrike"/>
             </a:lvl3pPr>
-            <a:lvl4pPr indent="-228600" lvl="3" marL="1828800" marR="0" rtl="0" algn="l">
+            <a:lvl4pPr indent="-228600" lvl="3" marL="1828800" marR="0" algn="l">
               <a:spcBef>
                 <a:spcPts val="0"/>
               </a:spcBef>
@@ -6311,7 +6311,7 @@
               <a:buNone/>
               <a:defRPr b="0" i="0" sz="1800" u="none" cap="none" strike="noStrike"/>
             </a:lvl4pPr>
-            <a:lvl5pPr indent="-228600" lvl="4" marL="2286000" marR="0" rtl="0" algn="l">
+            <a:lvl5pPr indent="-228600" lvl="4" marL="2286000" marR="0" algn="l">
               <a:spcBef>
                 <a:spcPts val="0"/>
               </a:spcBef>
@@ -6322,7 +6322,7 @@
               <a:buNone/>
               <a:defRPr b="0" i="0" sz="1800" u="none" cap="none" strike="noStrike"/>
             </a:lvl5pPr>
-            <a:lvl6pPr indent="-228600" lvl="5" marL="2743200" marR="0" rtl="0" algn="l">
+            <a:lvl6pPr indent="-228600" lvl="5" marL="2743200" marR="0" algn="l">
               <a:spcBef>
                 <a:spcPts val="0"/>
               </a:spcBef>
@@ -6333,7 +6333,7 @@
               <a:buNone/>
               <a:defRPr b="0" i="0" sz="1800" u="none" cap="none" strike="noStrike"/>
             </a:lvl6pPr>
-            <a:lvl7pPr indent="-228600" lvl="6" marL="3200400" marR="0" rtl="0" algn="l">
+            <a:lvl7pPr indent="-228600" lvl="6" marL="3200400" marR="0" algn="l">
               <a:spcBef>
                 <a:spcPts val="0"/>
               </a:spcBef>
@@ -6344,7 +6344,7 @@
               <a:buNone/>
               <a:defRPr b="0" i="0" sz="1800" u="none" cap="none" strike="noStrike"/>
             </a:lvl7pPr>
-            <a:lvl8pPr indent="-228600" lvl="7" marL="3657600" marR="0" rtl="0" algn="l">
+            <a:lvl8pPr indent="-228600" lvl="7" marL="3657600" marR="0" algn="l">
               <a:spcBef>
                 <a:spcPts val="0"/>
               </a:spcBef>
@@ -6355,7 +6355,7 @@
               <a:buNone/>
               <a:defRPr b="0" i="0" sz="1800" u="none" cap="none" strike="noStrike"/>
             </a:lvl8pPr>
-            <a:lvl9pPr indent="-228600" lvl="8" marL="4114800" marR="0" rtl="0" algn="l">
+            <a:lvl9pPr indent="-228600" lvl="8" marL="4114800" marR="0" algn="l">
               <a:spcBef>
                 <a:spcPts val="0"/>
               </a:spcBef>
@@ -7104,7 +7104,7 @@
         <p:spPr>
           <a:xfrm>
             <a:off x="457200" y="274680"/>
-            <a:ext cx="8229240" cy="1142640"/>
+            <a:ext cx="8229300" cy="1142700"/>
           </a:xfrm>
           <a:prstGeom prst="rect">
             <a:avLst/>
@@ -7119,7 +7119,7 @@
             <a:noAutofit/>
           </a:bodyPr>
           <a:lstStyle>
-            <a:lvl1pPr lvl="0" marR="0" rtl="0" algn="l">
+            <a:lvl1pPr lvl="0" marR="0" algn="l">
               <a:spcBef>
                 <a:spcPts val="0"/>
               </a:spcBef>
@@ -7130,7 +7130,7 @@
               <a:buNone/>
               <a:defRPr b="0" i="0" sz="1800" u="none" cap="none" strike="noStrike"/>
             </a:lvl1pPr>
-            <a:lvl2pPr lvl="1" marR="0" rtl="0" algn="l">
+            <a:lvl2pPr lvl="1" marR="0" algn="l">
               <a:spcBef>
                 <a:spcPts val="0"/>
               </a:spcBef>
@@ -7141,7 +7141,7 @@
               <a:buNone/>
               <a:defRPr b="0" i="0" sz="1800" u="none" cap="none" strike="noStrike"/>
             </a:lvl2pPr>
-            <a:lvl3pPr lvl="2" marR="0" rtl="0" algn="l">
+            <a:lvl3pPr lvl="2" marR="0" algn="l">
               <a:spcBef>
                 <a:spcPts val="0"/>
               </a:spcBef>
@@ -7152,7 +7152,7 @@
               <a:buNone/>
               <a:defRPr b="0" i="0" sz="1800" u="none" cap="none" strike="noStrike"/>
             </a:lvl3pPr>
-            <a:lvl4pPr lvl="3" marR="0" rtl="0" algn="l">
+            <a:lvl4pPr lvl="3" marR="0" algn="l">
               <a:spcBef>
                 <a:spcPts val="0"/>
               </a:spcBef>
@@ -7163,7 +7163,7 @@
               <a:buNone/>
               <a:defRPr b="0" i="0" sz="1800" u="none" cap="none" strike="noStrike"/>
             </a:lvl4pPr>
-            <a:lvl5pPr lvl="4" marR="0" rtl="0" algn="l">
+            <a:lvl5pPr lvl="4" marR="0" algn="l">
               <a:spcBef>
                 <a:spcPts val="0"/>
               </a:spcBef>
@@ -7174,7 +7174,7 @@
               <a:buNone/>
               <a:defRPr b="0" i="0" sz="1800" u="none" cap="none" strike="noStrike"/>
             </a:lvl5pPr>
-            <a:lvl6pPr lvl="5" marR="0" rtl="0" algn="l">
+            <a:lvl6pPr lvl="5" marR="0" algn="l">
               <a:spcBef>
                 <a:spcPts val="0"/>
               </a:spcBef>
@@ -7185,7 +7185,7 @@
               <a:buNone/>
               <a:defRPr b="0" i="0" sz="1800" u="none" cap="none" strike="noStrike"/>
             </a:lvl6pPr>
-            <a:lvl7pPr lvl="6" marR="0" rtl="0" algn="l">
+            <a:lvl7pPr lvl="6" marR="0" algn="l">
               <a:spcBef>
                 <a:spcPts val="0"/>
               </a:spcBef>
@@ -7196,7 +7196,7 @@
               <a:buNone/>
               <a:defRPr b="0" i="0" sz="1800" u="none" cap="none" strike="noStrike"/>
             </a:lvl7pPr>
-            <a:lvl8pPr lvl="7" marR="0" rtl="0" algn="l">
+            <a:lvl8pPr lvl="7" marR="0" algn="l">
               <a:spcBef>
                 <a:spcPts val="0"/>
               </a:spcBef>
@@ -7207,7 +7207,7 @@
               <a:buNone/>
               <a:defRPr b="0" i="0" sz="1800" u="none" cap="none" strike="noStrike"/>
             </a:lvl8pPr>
-            <a:lvl9pPr lvl="8" marR="0" rtl="0" algn="l">
+            <a:lvl9pPr lvl="8" marR="0" algn="l">
               <a:spcBef>
                 <a:spcPts val="0"/>
               </a:spcBef>
@@ -7233,7 +7233,7 @@
         <p:spPr>
           <a:xfrm>
             <a:off x="457200" y="1600200"/>
-            <a:ext cx="8229240" cy="4525560"/>
+            <a:ext cx="8229300" cy="4525500"/>
           </a:xfrm>
           <a:prstGeom prst="rect">
             <a:avLst/>
@@ -7248,7 +7248,7 @@
             <a:noAutofit/>
           </a:bodyPr>
           <a:lstStyle>
-            <a:lvl1pPr indent="-228600" lvl="0" marL="457200" marR="0" rtl="0" algn="l">
+            <a:lvl1pPr indent="-228600" lvl="0" marL="457200" marR="0" algn="l">
               <a:spcBef>
                 <a:spcPts val="0"/>
               </a:spcBef>
@@ -7259,7 +7259,7 @@
               <a:buNone/>
               <a:defRPr b="0" i="0" sz="1800" u="none" cap="none" strike="noStrike"/>
             </a:lvl1pPr>
-            <a:lvl2pPr indent="-228600" lvl="1" marL="914400" marR="0" rtl="0" algn="l">
+            <a:lvl2pPr indent="-228600" lvl="1" marL="914400" marR="0" algn="l">
               <a:spcBef>
                 <a:spcPts val="0"/>
               </a:spcBef>
@@ -7270,7 +7270,7 @@
               <a:buNone/>
               <a:defRPr b="0" i="0" sz="1800" u="none" cap="none" strike="noStrike"/>
             </a:lvl2pPr>
-            <a:lvl3pPr indent="-228600" lvl="2" marL="1371600" marR="0" rtl="0" algn="l">
+            <a:lvl3pPr indent="-228600" lvl="2" marL="1371600" marR="0" algn="l">
               <a:spcBef>
                 <a:spcPts val="0"/>
               </a:spcBef>
@@ -7281,7 +7281,7 @@
               <a:buNone/>
               <a:defRPr b="0" i="0" sz="1800" u="none" cap="none" strike="noStrike"/>
             </a:lvl3pPr>
-            <a:lvl4pPr indent="-228600" lvl="3" marL="1828800" marR="0" rtl="0" algn="l">
+            <a:lvl4pPr indent="-228600" lvl="3" marL="1828800" marR="0" algn="l">
               <a:spcBef>
                 <a:spcPts val="0"/>
               </a:spcBef>
@@ -7292,7 +7292,7 @@
               <a:buNone/>
               <a:defRPr b="0" i="0" sz="1800" u="none" cap="none" strike="noStrike"/>
             </a:lvl4pPr>
-            <a:lvl5pPr indent="-228600" lvl="4" marL="2286000" marR="0" rtl="0" algn="l">
+            <a:lvl5pPr indent="-228600" lvl="4" marL="2286000" marR="0" algn="l">
               <a:spcBef>
                 <a:spcPts val="0"/>
               </a:spcBef>
@@ -7303,7 +7303,7 @@
               <a:buNone/>
               <a:defRPr b="0" i="0" sz="1800" u="none" cap="none" strike="noStrike"/>
             </a:lvl5pPr>
-            <a:lvl6pPr indent="-228600" lvl="5" marL="2743200" marR="0" rtl="0" algn="l">
+            <a:lvl6pPr indent="-228600" lvl="5" marL="2743200" marR="0" algn="l">
               <a:spcBef>
                 <a:spcPts val="0"/>
               </a:spcBef>
@@ -7314,7 +7314,7 @@
               <a:buNone/>
               <a:defRPr b="0" i="0" sz="1800" u="none" cap="none" strike="noStrike"/>
             </a:lvl6pPr>
-            <a:lvl7pPr indent="-228600" lvl="6" marL="3200400" marR="0" rtl="0" algn="l">
+            <a:lvl7pPr indent="-228600" lvl="6" marL="3200400" marR="0" algn="l">
               <a:spcBef>
                 <a:spcPts val="0"/>
               </a:spcBef>
@@ -7325,7 +7325,7 @@
               <a:buNone/>
               <a:defRPr b="0" i="0" sz="1800" u="none" cap="none" strike="noStrike"/>
             </a:lvl7pPr>
-            <a:lvl8pPr indent="-228600" lvl="7" marL="3657600" marR="0" rtl="0" algn="l">
+            <a:lvl8pPr indent="-228600" lvl="7" marL="3657600" marR="0" algn="l">
               <a:spcBef>
                 <a:spcPts val="0"/>
               </a:spcBef>
@@ -7336,7 +7336,7 @@
               <a:buNone/>
               <a:defRPr b="0" i="0" sz="1800" u="none" cap="none" strike="noStrike"/>
             </a:lvl8pPr>
-            <a:lvl9pPr indent="-228600" lvl="8" marL="4114800" marR="0" rtl="0" algn="l">
+            <a:lvl9pPr indent="-228600" lvl="8" marL="4114800" marR="0" algn="l">
               <a:spcBef>
                 <a:spcPts val="0"/>
               </a:spcBef>
@@ -7362,7 +7362,7 @@
         <p:spPr>
           <a:xfrm>
             <a:off x="457200" y="6356520"/>
-            <a:ext cx="2133360" cy="364680"/>
+            <a:ext cx="2133300" cy="364800"/>
           </a:xfrm>
           <a:prstGeom prst="rect">
             <a:avLst/>
@@ -7377,7 +7377,7 @@
             <a:noAutofit/>
           </a:bodyPr>
           <a:lstStyle>
-            <a:lvl1pPr lvl="0" marR="0" rtl="0" algn="l">
+            <a:lvl1pPr lvl="0" marR="0" algn="l">
               <a:lnSpc>
                 <a:spcPct val="100000"/>
               </a:lnSpc>
@@ -7403,7 +7403,7 @@
                 <a:sym typeface="Calibri"/>
               </a:defRPr>
             </a:lvl1pPr>
-            <a:lvl2pPr lvl="1" marR="0" rtl="0" algn="l">
+            <a:lvl2pPr lvl="1" marR="0" algn="l">
               <a:spcBef>
                 <a:spcPts val="0"/>
               </a:spcBef>
@@ -7414,7 +7414,7 @@
               <a:buNone/>
               <a:defRPr b="0" i="0" sz="1800" u="none" cap="none" strike="noStrike"/>
             </a:lvl2pPr>
-            <a:lvl3pPr lvl="2" marR="0" rtl="0" algn="l">
+            <a:lvl3pPr lvl="2" marR="0" algn="l">
               <a:spcBef>
                 <a:spcPts val="0"/>
               </a:spcBef>
@@ -7425,7 +7425,7 @@
               <a:buNone/>
               <a:defRPr b="0" i="0" sz="1800" u="none" cap="none" strike="noStrike"/>
             </a:lvl3pPr>
-            <a:lvl4pPr lvl="3" marR="0" rtl="0" algn="l">
+            <a:lvl4pPr lvl="3" marR="0" algn="l">
               <a:spcBef>
                 <a:spcPts val="0"/>
               </a:spcBef>
@@ -7436,7 +7436,7 @@
               <a:buNone/>
               <a:defRPr b="0" i="0" sz="1800" u="none" cap="none" strike="noStrike"/>
             </a:lvl4pPr>
-            <a:lvl5pPr lvl="4" marR="0" rtl="0" algn="l">
+            <a:lvl5pPr lvl="4" marR="0" algn="l">
               <a:spcBef>
                 <a:spcPts val="0"/>
               </a:spcBef>
@@ -7447,7 +7447,7 @@
               <a:buNone/>
               <a:defRPr b="0" i="0" sz="1800" u="none" cap="none" strike="noStrike"/>
             </a:lvl5pPr>
-            <a:lvl6pPr lvl="5" marR="0" rtl="0" algn="l">
+            <a:lvl6pPr lvl="5" marR="0" algn="l">
               <a:spcBef>
                 <a:spcPts val="0"/>
               </a:spcBef>
@@ -7458,7 +7458,7 @@
               <a:buNone/>
               <a:defRPr b="0" i="0" sz="1800" u="none" cap="none" strike="noStrike"/>
             </a:lvl6pPr>
-            <a:lvl7pPr lvl="6" marR="0" rtl="0" algn="l">
+            <a:lvl7pPr lvl="6" marR="0" algn="l">
               <a:spcBef>
                 <a:spcPts val="0"/>
               </a:spcBef>
@@ -7469,7 +7469,7 @@
               <a:buNone/>
               <a:defRPr b="0" i="0" sz="1800" u="none" cap="none" strike="noStrike"/>
             </a:lvl7pPr>
-            <a:lvl8pPr lvl="7" marR="0" rtl="0" algn="l">
+            <a:lvl8pPr lvl="7" marR="0" algn="l">
               <a:spcBef>
                 <a:spcPts val="0"/>
               </a:spcBef>
@@ -7480,7 +7480,7 @@
               <a:buNone/>
               <a:defRPr b="0" i="0" sz="1800" u="none" cap="none" strike="noStrike"/>
             </a:lvl8pPr>
-            <a:lvl9pPr lvl="8" marR="0" rtl="0" algn="l">
+            <a:lvl9pPr lvl="8" marR="0" algn="l">
               <a:spcBef>
                 <a:spcPts val="0"/>
               </a:spcBef>
@@ -7506,7 +7506,7 @@
         <p:spPr>
           <a:xfrm>
             <a:off x="3124080" y="6356520"/>
-            <a:ext cx="2895120" cy="364680"/>
+            <a:ext cx="2895000" cy="364800"/>
           </a:xfrm>
           <a:prstGeom prst="rect">
             <a:avLst/>
@@ -7521,7 +7521,7 @@
             <a:noAutofit/>
           </a:bodyPr>
           <a:lstStyle>
-            <a:lvl1pPr lvl="0" marR="0" rtl="0" algn="ctr">
+            <a:lvl1pPr lvl="0" marR="0" algn="ctr">
               <a:spcBef>
                 <a:spcPts val="0"/>
               </a:spcBef>
@@ -7544,7 +7544,7 @@
                 <a:sym typeface="Times New Roman"/>
               </a:defRPr>
             </a:lvl1pPr>
-            <a:lvl2pPr lvl="1" marR="0" rtl="0" algn="l">
+            <a:lvl2pPr lvl="1" marR="0" algn="l">
               <a:spcBef>
                 <a:spcPts val="0"/>
               </a:spcBef>
@@ -7555,7 +7555,7 @@
               <a:buNone/>
               <a:defRPr b="0" i="0" sz="1800" u="none" cap="none" strike="noStrike"/>
             </a:lvl2pPr>
-            <a:lvl3pPr lvl="2" marR="0" rtl="0" algn="l">
+            <a:lvl3pPr lvl="2" marR="0" algn="l">
               <a:spcBef>
                 <a:spcPts val="0"/>
               </a:spcBef>
@@ -7566,7 +7566,7 @@
               <a:buNone/>
               <a:defRPr b="0" i="0" sz="1800" u="none" cap="none" strike="noStrike"/>
             </a:lvl3pPr>
-            <a:lvl4pPr lvl="3" marR="0" rtl="0" algn="l">
+            <a:lvl4pPr lvl="3" marR="0" algn="l">
               <a:spcBef>
                 <a:spcPts val="0"/>
               </a:spcBef>
@@ -7577,7 +7577,7 @@
               <a:buNone/>
               <a:defRPr b="0" i="0" sz="1800" u="none" cap="none" strike="noStrike"/>
             </a:lvl4pPr>
-            <a:lvl5pPr lvl="4" marR="0" rtl="0" algn="l">
+            <a:lvl5pPr lvl="4" marR="0" algn="l">
               <a:spcBef>
                 <a:spcPts val="0"/>
               </a:spcBef>
@@ -7588,7 +7588,7 @@
               <a:buNone/>
               <a:defRPr b="0" i="0" sz="1800" u="none" cap="none" strike="noStrike"/>
             </a:lvl5pPr>
-            <a:lvl6pPr lvl="5" marR="0" rtl="0" algn="l">
+            <a:lvl6pPr lvl="5" marR="0" algn="l">
               <a:spcBef>
                 <a:spcPts val="0"/>
               </a:spcBef>
@@ -7599,7 +7599,7 @@
               <a:buNone/>
               <a:defRPr b="0" i="0" sz="1800" u="none" cap="none" strike="noStrike"/>
             </a:lvl6pPr>
-            <a:lvl7pPr lvl="6" marR="0" rtl="0" algn="l">
+            <a:lvl7pPr lvl="6" marR="0" algn="l">
               <a:spcBef>
                 <a:spcPts val="0"/>
               </a:spcBef>
@@ -7610,7 +7610,7 @@
               <a:buNone/>
               <a:defRPr b="0" i="0" sz="1800" u="none" cap="none" strike="noStrike"/>
             </a:lvl7pPr>
-            <a:lvl8pPr lvl="7" marR="0" rtl="0" algn="l">
+            <a:lvl8pPr lvl="7" marR="0" algn="l">
               <a:spcBef>
                 <a:spcPts val="0"/>
               </a:spcBef>
@@ -7621,7 +7621,7 @@
               <a:buNone/>
               <a:defRPr b="0" i="0" sz="1800" u="none" cap="none" strike="noStrike"/>
             </a:lvl8pPr>
-            <a:lvl9pPr lvl="8" marR="0" rtl="0" algn="l">
+            <a:lvl9pPr lvl="8" marR="0" algn="l">
               <a:spcBef>
                 <a:spcPts val="0"/>
               </a:spcBef>
@@ -7647,7 +7647,7 @@
         <p:spPr>
           <a:xfrm>
             <a:off x="6553080" y="6356520"/>
-            <a:ext cx="2133360" cy="364680"/>
+            <a:ext cx="2133300" cy="364800"/>
           </a:xfrm>
           <a:prstGeom prst="rect">
             <a:avLst/>
@@ -7662,7 +7662,7 @@
             <a:noAutofit/>
           </a:bodyPr>
           <a:lstStyle>
-            <a:lvl1pPr indent="0" lvl="0" marL="0" marR="0" rtl="0" algn="r">
+            <a:lvl1pPr indent="0" lvl="0" marL="0" marR="0" algn="r">
               <a:lnSpc>
                 <a:spcPct val="100000"/>
               </a:lnSpc>
@@ -7685,7 +7685,7 @@
                 <a:sym typeface="Calibri"/>
               </a:defRPr>
             </a:lvl1pPr>
-            <a:lvl2pPr indent="0" lvl="1" marL="0" marR="0" rtl="0" algn="r">
+            <a:lvl2pPr indent="0" lvl="1" marL="0" marR="0" algn="r">
               <a:lnSpc>
                 <a:spcPct val="100000"/>
               </a:lnSpc>
@@ -7708,7 +7708,7 @@
                 <a:sym typeface="Calibri"/>
               </a:defRPr>
             </a:lvl2pPr>
-            <a:lvl3pPr indent="0" lvl="2" marL="0" marR="0" rtl="0" algn="r">
+            <a:lvl3pPr indent="0" lvl="2" marL="0" marR="0" algn="r">
               <a:lnSpc>
                 <a:spcPct val="100000"/>
               </a:lnSpc>
@@ -7731,7 +7731,7 @@
                 <a:sym typeface="Calibri"/>
               </a:defRPr>
             </a:lvl3pPr>
-            <a:lvl4pPr indent="0" lvl="3" marL="0" marR="0" rtl="0" algn="r">
+            <a:lvl4pPr indent="0" lvl="3" marL="0" marR="0" algn="r">
               <a:lnSpc>
                 <a:spcPct val="100000"/>
               </a:lnSpc>
@@ -7754,7 +7754,7 @@
                 <a:sym typeface="Calibri"/>
               </a:defRPr>
             </a:lvl4pPr>
-            <a:lvl5pPr indent="0" lvl="4" marL="0" marR="0" rtl="0" algn="r">
+            <a:lvl5pPr indent="0" lvl="4" marL="0" marR="0" algn="r">
               <a:lnSpc>
                 <a:spcPct val="100000"/>
               </a:lnSpc>
@@ -7777,7 +7777,7 @@
                 <a:sym typeface="Calibri"/>
               </a:defRPr>
             </a:lvl5pPr>
-            <a:lvl6pPr indent="0" lvl="5" marL="0" marR="0" rtl="0" algn="r">
+            <a:lvl6pPr indent="0" lvl="5" marL="0" marR="0" algn="r">
               <a:lnSpc>
                 <a:spcPct val="100000"/>
               </a:lnSpc>
@@ -7800,7 +7800,7 @@
                 <a:sym typeface="Calibri"/>
               </a:defRPr>
             </a:lvl6pPr>
-            <a:lvl7pPr indent="0" lvl="6" marL="0" marR="0" rtl="0" algn="r">
+            <a:lvl7pPr indent="0" lvl="6" marL="0" marR="0" algn="r">
               <a:lnSpc>
                 <a:spcPct val="100000"/>
               </a:lnSpc>
@@ -7823,7 +7823,7 @@
                 <a:sym typeface="Calibri"/>
               </a:defRPr>
             </a:lvl7pPr>
-            <a:lvl8pPr indent="0" lvl="7" marL="0" marR="0" rtl="0" algn="r">
+            <a:lvl8pPr indent="0" lvl="7" marL="0" marR="0" algn="r">
               <a:lnSpc>
                 <a:spcPct val="100000"/>
               </a:lnSpc>
@@ -7846,7 +7846,7 @@
                 <a:sym typeface="Calibri"/>
               </a:defRPr>
             </a:lvl8pPr>
-            <a:lvl9pPr indent="0" lvl="8" marL="0" marR="0" rtl="0" algn="r">
+            <a:lvl9pPr indent="0" lvl="8" marL="0" marR="0" algn="r">
               <a:lnSpc>
                 <a:spcPct val="100000"/>
               </a:lnSpc>
@@ -8633,7 +8633,7 @@
         <p:spPr>
           <a:xfrm>
             <a:off x="457200" y="274680"/>
-            <a:ext cx="8229240" cy="1142640"/>
+            <a:ext cx="8229300" cy="1142700"/>
           </a:xfrm>
           <a:prstGeom prst="rect">
             <a:avLst/>
@@ -8648,7 +8648,7 @@
             <a:noAutofit/>
           </a:bodyPr>
           <a:lstStyle>
-            <a:lvl1pPr lvl="0" marR="0" rtl="0" algn="l">
+            <a:lvl1pPr lvl="0" marR="0" algn="l">
               <a:spcBef>
                 <a:spcPts val="0"/>
               </a:spcBef>
@@ -8659,7 +8659,7 @@
               <a:buNone/>
               <a:defRPr b="0" i="0" sz="1800" u="none" cap="none" strike="noStrike"/>
             </a:lvl1pPr>
-            <a:lvl2pPr lvl="1" marR="0" rtl="0" algn="l">
+            <a:lvl2pPr lvl="1" marR="0" algn="l">
               <a:spcBef>
                 <a:spcPts val="0"/>
               </a:spcBef>
@@ -8670,7 +8670,7 @@
               <a:buNone/>
               <a:defRPr b="0" i="0" sz="1800" u="none" cap="none" strike="noStrike"/>
             </a:lvl2pPr>
-            <a:lvl3pPr lvl="2" marR="0" rtl="0" algn="l">
+            <a:lvl3pPr lvl="2" marR="0" algn="l">
               <a:spcBef>
                 <a:spcPts val="0"/>
               </a:spcBef>
@@ -8681,7 +8681,7 @@
               <a:buNone/>
               <a:defRPr b="0" i="0" sz="1800" u="none" cap="none" strike="noStrike"/>
             </a:lvl3pPr>
-            <a:lvl4pPr lvl="3" marR="0" rtl="0" algn="l">
+            <a:lvl4pPr lvl="3" marR="0" algn="l">
               <a:spcBef>
                 <a:spcPts val="0"/>
               </a:spcBef>
@@ -8692,7 +8692,7 @@
               <a:buNone/>
               <a:defRPr b="0" i="0" sz="1800" u="none" cap="none" strike="noStrike"/>
             </a:lvl4pPr>
-            <a:lvl5pPr lvl="4" marR="0" rtl="0" algn="l">
+            <a:lvl5pPr lvl="4" marR="0" algn="l">
               <a:spcBef>
                 <a:spcPts val="0"/>
               </a:spcBef>
@@ -8703,7 +8703,7 @@
               <a:buNone/>
               <a:defRPr b="0" i="0" sz="1800" u="none" cap="none" strike="noStrike"/>
             </a:lvl5pPr>
-            <a:lvl6pPr lvl="5" marR="0" rtl="0" algn="l">
+            <a:lvl6pPr lvl="5" marR="0" algn="l">
               <a:spcBef>
                 <a:spcPts val="0"/>
               </a:spcBef>
@@ -8714,7 +8714,7 @@
               <a:buNone/>
               <a:defRPr b="0" i="0" sz="1800" u="none" cap="none" strike="noStrike"/>
             </a:lvl6pPr>
-            <a:lvl7pPr lvl="6" marR="0" rtl="0" algn="l">
+            <a:lvl7pPr lvl="6" marR="0" algn="l">
               <a:spcBef>
                 <a:spcPts val="0"/>
               </a:spcBef>
@@ -8725,7 +8725,7 @@
               <a:buNone/>
               <a:defRPr b="0" i="0" sz="1800" u="none" cap="none" strike="noStrike"/>
             </a:lvl7pPr>
-            <a:lvl8pPr lvl="7" marR="0" rtl="0" algn="l">
+            <a:lvl8pPr lvl="7" marR="0" algn="l">
               <a:spcBef>
                 <a:spcPts val="0"/>
               </a:spcBef>
@@ -8736,7 +8736,7 @@
               <a:buNone/>
               <a:defRPr b="0" i="0" sz="1800" u="none" cap="none" strike="noStrike"/>
             </a:lvl8pPr>
-            <a:lvl9pPr lvl="8" marR="0" rtl="0" algn="l">
+            <a:lvl9pPr lvl="8" marR="0" algn="l">
               <a:spcBef>
                 <a:spcPts val="0"/>
               </a:spcBef>
@@ -8762,7 +8762,7 @@
         <p:spPr>
           <a:xfrm>
             <a:off x="457200" y="6356520"/>
-            <a:ext cx="2133360" cy="364680"/>
+            <a:ext cx="2133300" cy="364800"/>
           </a:xfrm>
           <a:prstGeom prst="rect">
             <a:avLst/>
@@ -8777,7 +8777,7 @@
             <a:noAutofit/>
           </a:bodyPr>
           <a:lstStyle>
-            <a:lvl1pPr lvl="0" marR="0" rtl="0" algn="l">
+            <a:lvl1pPr lvl="0" marR="0" algn="l">
               <a:lnSpc>
                 <a:spcPct val="100000"/>
               </a:lnSpc>
@@ -8803,7 +8803,7 @@
                 <a:sym typeface="Calibri"/>
               </a:defRPr>
             </a:lvl1pPr>
-            <a:lvl2pPr lvl="1" marR="0" rtl="0" algn="l">
+            <a:lvl2pPr lvl="1" marR="0" algn="l">
               <a:spcBef>
                 <a:spcPts val="0"/>
               </a:spcBef>
@@ -8814,7 +8814,7 @@
               <a:buNone/>
               <a:defRPr b="0" i="0" sz="1800" u="none" cap="none" strike="noStrike"/>
             </a:lvl2pPr>
-            <a:lvl3pPr lvl="2" marR="0" rtl="0" algn="l">
+            <a:lvl3pPr lvl="2" marR="0" algn="l">
               <a:spcBef>
                 <a:spcPts val="0"/>
               </a:spcBef>
@@ -8825,7 +8825,7 @@
               <a:buNone/>
               <a:defRPr b="0" i="0" sz="1800" u="none" cap="none" strike="noStrike"/>
             </a:lvl3pPr>
-            <a:lvl4pPr lvl="3" marR="0" rtl="0" algn="l">
+            <a:lvl4pPr lvl="3" marR="0" algn="l">
               <a:spcBef>
                 <a:spcPts val="0"/>
               </a:spcBef>
@@ -8836,7 +8836,7 @@
               <a:buNone/>
               <a:defRPr b="0" i="0" sz="1800" u="none" cap="none" strike="noStrike"/>
             </a:lvl4pPr>
-            <a:lvl5pPr lvl="4" marR="0" rtl="0" algn="l">
+            <a:lvl5pPr lvl="4" marR="0" algn="l">
               <a:spcBef>
                 <a:spcPts val="0"/>
               </a:spcBef>
@@ -8847,7 +8847,7 @@
               <a:buNone/>
               <a:defRPr b="0" i="0" sz="1800" u="none" cap="none" strike="noStrike"/>
             </a:lvl5pPr>
-            <a:lvl6pPr lvl="5" marR="0" rtl="0" algn="l">
+            <a:lvl6pPr lvl="5" marR="0" algn="l">
               <a:spcBef>
                 <a:spcPts val="0"/>
               </a:spcBef>
@@ -8858,7 +8858,7 @@
               <a:buNone/>
               <a:defRPr b="0" i="0" sz="1800" u="none" cap="none" strike="noStrike"/>
             </a:lvl6pPr>
-            <a:lvl7pPr lvl="6" marR="0" rtl="0" algn="l">
+            <a:lvl7pPr lvl="6" marR="0" algn="l">
               <a:spcBef>
                 <a:spcPts val="0"/>
               </a:spcBef>
@@ -8869,7 +8869,7 @@
               <a:buNone/>
               <a:defRPr b="0" i="0" sz="1800" u="none" cap="none" strike="noStrike"/>
             </a:lvl7pPr>
-            <a:lvl8pPr lvl="7" marR="0" rtl="0" algn="l">
+            <a:lvl8pPr lvl="7" marR="0" algn="l">
               <a:spcBef>
                 <a:spcPts val="0"/>
               </a:spcBef>
@@ -8880,7 +8880,7 @@
               <a:buNone/>
               <a:defRPr b="0" i="0" sz="1800" u="none" cap="none" strike="noStrike"/>
             </a:lvl8pPr>
-            <a:lvl9pPr lvl="8" marR="0" rtl="0" algn="l">
+            <a:lvl9pPr lvl="8" marR="0" algn="l">
               <a:spcBef>
                 <a:spcPts val="0"/>
               </a:spcBef>
@@ -8906,7 +8906,7 @@
         <p:spPr>
           <a:xfrm>
             <a:off x="3124080" y="6356520"/>
-            <a:ext cx="2895120" cy="364680"/>
+            <a:ext cx="2895000" cy="364800"/>
           </a:xfrm>
           <a:prstGeom prst="rect">
             <a:avLst/>
@@ -8921,7 +8921,7 @@
             <a:noAutofit/>
           </a:bodyPr>
           <a:lstStyle>
-            <a:lvl1pPr lvl="0" marR="0" rtl="0" algn="ctr">
+            <a:lvl1pPr lvl="0" marR="0" algn="ctr">
               <a:spcBef>
                 <a:spcPts val="0"/>
               </a:spcBef>
@@ -8944,7 +8944,7 @@
                 <a:sym typeface="Times New Roman"/>
               </a:defRPr>
             </a:lvl1pPr>
-            <a:lvl2pPr lvl="1" marR="0" rtl="0" algn="l">
+            <a:lvl2pPr lvl="1" marR="0" algn="l">
               <a:spcBef>
                 <a:spcPts val="0"/>
               </a:spcBef>
@@ -8955,7 +8955,7 @@
               <a:buNone/>
               <a:defRPr b="0" i="0" sz="1800" u="none" cap="none" strike="noStrike"/>
             </a:lvl2pPr>
-            <a:lvl3pPr lvl="2" marR="0" rtl="0" algn="l">
+            <a:lvl3pPr lvl="2" marR="0" algn="l">
               <a:spcBef>
                 <a:spcPts val="0"/>
               </a:spcBef>
@@ -8966,7 +8966,7 @@
               <a:buNone/>
               <a:defRPr b="0" i="0" sz="1800" u="none" cap="none" strike="noStrike"/>
             </a:lvl3pPr>
-            <a:lvl4pPr lvl="3" marR="0" rtl="0" algn="l">
+            <a:lvl4pPr lvl="3" marR="0" algn="l">
               <a:spcBef>
                 <a:spcPts val="0"/>
               </a:spcBef>
@@ -8977,7 +8977,7 @@
               <a:buNone/>
               <a:defRPr b="0" i="0" sz="1800" u="none" cap="none" strike="noStrike"/>
             </a:lvl4pPr>
-            <a:lvl5pPr lvl="4" marR="0" rtl="0" algn="l">
+            <a:lvl5pPr lvl="4" marR="0" algn="l">
               <a:spcBef>
                 <a:spcPts val="0"/>
               </a:spcBef>
@@ -8988,7 +8988,7 @@
               <a:buNone/>
               <a:defRPr b="0" i="0" sz="1800" u="none" cap="none" strike="noStrike"/>
             </a:lvl5pPr>
-            <a:lvl6pPr lvl="5" marR="0" rtl="0" algn="l">
+            <a:lvl6pPr lvl="5" marR="0" algn="l">
               <a:spcBef>
                 <a:spcPts val="0"/>
               </a:spcBef>
@@ -8999,7 +8999,7 @@
               <a:buNone/>
               <a:defRPr b="0" i="0" sz="1800" u="none" cap="none" strike="noStrike"/>
             </a:lvl6pPr>
-            <a:lvl7pPr lvl="6" marR="0" rtl="0" algn="l">
+            <a:lvl7pPr lvl="6" marR="0" algn="l">
               <a:spcBef>
                 <a:spcPts val="0"/>
               </a:spcBef>
@@ -9010,7 +9010,7 @@
               <a:buNone/>
               <a:defRPr b="0" i="0" sz="1800" u="none" cap="none" strike="noStrike"/>
             </a:lvl7pPr>
-            <a:lvl8pPr lvl="7" marR="0" rtl="0" algn="l">
+            <a:lvl8pPr lvl="7" marR="0" algn="l">
               <a:spcBef>
                 <a:spcPts val="0"/>
               </a:spcBef>
@@ -9021,7 +9021,7 @@
               <a:buNone/>
               <a:defRPr b="0" i="0" sz="1800" u="none" cap="none" strike="noStrike"/>
             </a:lvl8pPr>
-            <a:lvl9pPr lvl="8" marR="0" rtl="0" algn="l">
+            <a:lvl9pPr lvl="8" marR="0" algn="l">
               <a:spcBef>
                 <a:spcPts val="0"/>
               </a:spcBef>
@@ -9047,7 +9047,7 @@
         <p:spPr>
           <a:xfrm>
             <a:off x="6553080" y="6356520"/>
-            <a:ext cx="2133360" cy="364680"/>
+            <a:ext cx="2133300" cy="364800"/>
           </a:xfrm>
           <a:prstGeom prst="rect">
             <a:avLst/>
@@ -9062,7 +9062,7 @@
             <a:noAutofit/>
           </a:bodyPr>
           <a:lstStyle>
-            <a:lvl1pPr indent="0" lvl="0" marL="0" marR="0" rtl="0" algn="r">
+            <a:lvl1pPr indent="0" lvl="0" marL="0" marR="0" algn="r">
               <a:lnSpc>
                 <a:spcPct val="100000"/>
               </a:lnSpc>
@@ -9085,7 +9085,7 @@
                 <a:sym typeface="Calibri"/>
               </a:defRPr>
             </a:lvl1pPr>
-            <a:lvl2pPr indent="0" lvl="1" marL="0" marR="0" rtl="0" algn="r">
+            <a:lvl2pPr indent="0" lvl="1" marL="0" marR="0" algn="r">
               <a:lnSpc>
                 <a:spcPct val="100000"/>
               </a:lnSpc>
@@ -9108,7 +9108,7 @@
                 <a:sym typeface="Calibri"/>
               </a:defRPr>
             </a:lvl2pPr>
-            <a:lvl3pPr indent="0" lvl="2" marL="0" marR="0" rtl="0" algn="r">
+            <a:lvl3pPr indent="0" lvl="2" marL="0" marR="0" algn="r">
               <a:lnSpc>
                 <a:spcPct val="100000"/>
               </a:lnSpc>
@@ -9131,7 +9131,7 @@
                 <a:sym typeface="Calibri"/>
               </a:defRPr>
             </a:lvl3pPr>
-            <a:lvl4pPr indent="0" lvl="3" marL="0" marR="0" rtl="0" algn="r">
+            <a:lvl4pPr indent="0" lvl="3" marL="0" marR="0" algn="r">
               <a:lnSpc>
                 <a:spcPct val="100000"/>
               </a:lnSpc>
@@ -9154,7 +9154,7 @@
                 <a:sym typeface="Calibri"/>
               </a:defRPr>
             </a:lvl4pPr>
-            <a:lvl5pPr indent="0" lvl="4" marL="0" marR="0" rtl="0" algn="r">
+            <a:lvl5pPr indent="0" lvl="4" marL="0" marR="0" algn="r">
               <a:lnSpc>
                 <a:spcPct val="100000"/>
               </a:lnSpc>
@@ -9177,7 +9177,7 @@
                 <a:sym typeface="Calibri"/>
               </a:defRPr>
             </a:lvl5pPr>
-            <a:lvl6pPr indent="0" lvl="5" marL="0" marR="0" rtl="0" algn="r">
+            <a:lvl6pPr indent="0" lvl="5" marL="0" marR="0" algn="r">
               <a:lnSpc>
                 <a:spcPct val="100000"/>
               </a:lnSpc>
@@ -9200,7 +9200,7 @@
                 <a:sym typeface="Calibri"/>
               </a:defRPr>
             </a:lvl6pPr>
-            <a:lvl7pPr indent="0" lvl="6" marL="0" marR="0" rtl="0" algn="r">
+            <a:lvl7pPr indent="0" lvl="6" marL="0" marR="0" algn="r">
               <a:lnSpc>
                 <a:spcPct val="100000"/>
               </a:lnSpc>
@@ -9223,7 +9223,7 @@
                 <a:sym typeface="Calibri"/>
               </a:defRPr>
             </a:lvl7pPr>
-            <a:lvl8pPr indent="0" lvl="7" marL="0" marR="0" rtl="0" algn="r">
+            <a:lvl8pPr indent="0" lvl="7" marL="0" marR="0" algn="r">
               <a:lnSpc>
                 <a:spcPct val="100000"/>
               </a:lnSpc>
@@ -9246,7 +9246,7 @@
                 <a:sym typeface="Calibri"/>
               </a:defRPr>
             </a:lvl8pPr>
-            <a:lvl9pPr indent="0" lvl="8" marL="0" marR="0" rtl="0" algn="r">
+            <a:lvl9pPr indent="0" lvl="8" marL="0" marR="0" algn="r">
               <a:lnSpc>
                 <a:spcPct val="100000"/>
               </a:lnSpc>
@@ -9307,7 +9307,7 @@
         <p:spPr>
           <a:xfrm>
             <a:off x="457200" y="1604520"/>
-            <a:ext cx="8229240" cy="3977280"/>
+            <a:ext cx="8229300" cy="3977400"/>
           </a:xfrm>
           <a:prstGeom prst="rect">
             <a:avLst/>
@@ -9322,7 +9322,7 @@
             <a:normAutofit/>
           </a:bodyPr>
           <a:lstStyle>
-            <a:lvl1pPr indent="-228600" lvl="0" marL="457200" marR="0" rtl="0" algn="l">
+            <a:lvl1pPr indent="-228600" lvl="0" marL="457200" marR="0" algn="l">
               <a:spcBef>
                 <a:spcPts val="0"/>
               </a:spcBef>
@@ -9333,7 +9333,7 @@
               <a:buNone/>
               <a:defRPr b="0" i="0" sz="1800" u="none" cap="none" strike="noStrike"/>
             </a:lvl1pPr>
-            <a:lvl2pPr indent="-228600" lvl="1" marL="914400" marR="0" rtl="0" algn="l">
+            <a:lvl2pPr indent="-228600" lvl="1" marL="914400" marR="0" algn="l">
               <a:spcBef>
                 <a:spcPts val="0"/>
               </a:spcBef>
@@ -9344,7 +9344,7 @@
               <a:buNone/>
               <a:defRPr b="0" i="0" sz="1800" u="none" cap="none" strike="noStrike"/>
             </a:lvl2pPr>
-            <a:lvl3pPr indent="-228600" lvl="2" marL="1371600" marR="0" rtl="0" algn="l">
+            <a:lvl3pPr indent="-228600" lvl="2" marL="1371600" marR="0" algn="l">
               <a:spcBef>
                 <a:spcPts val="0"/>
               </a:spcBef>
@@ -9355,7 +9355,7 @@
               <a:buNone/>
               <a:defRPr b="0" i="0" sz="1800" u="none" cap="none" strike="noStrike"/>
             </a:lvl3pPr>
-            <a:lvl4pPr indent="-228600" lvl="3" marL="1828800" marR="0" rtl="0" algn="l">
+            <a:lvl4pPr indent="-228600" lvl="3" marL="1828800" marR="0" algn="l">
               <a:spcBef>
                 <a:spcPts val="0"/>
               </a:spcBef>
@@ -9366,7 +9366,7 @@
               <a:buNone/>
               <a:defRPr b="0" i="0" sz="1800" u="none" cap="none" strike="noStrike"/>
             </a:lvl4pPr>
-            <a:lvl5pPr indent="-228600" lvl="4" marL="2286000" marR="0" rtl="0" algn="l">
+            <a:lvl5pPr indent="-228600" lvl="4" marL="2286000" marR="0" algn="l">
               <a:spcBef>
                 <a:spcPts val="0"/>
               </a:spcBef>
@@ -9377,7 +9377,7 @@
               <a:buNone/>
               <a:defRPr b="0" i="0" sz="1800" u="none" cap="none" strike="noStrike"/>
             </a:lvl5pPr>
-            <a:lvl6pPr indent="-228600" lvl="5" marL="2743200" marR="0" rtl="0" algn="l">
+            <a:lvl6pPr indent="-228600" lvl="5" marL="2743200" marR="0" algn="l">
               <a:spcBef>
                 <a:spcPts val="0"/>
               </a:spcBef>
@@ -9388,7 +9388,7 @@
               <a:buNone/>
               <a:defRPr b="0" i="0" sz="1800" u="none" cap="none" strike="noStrike"/>
             </a:lvl6pPr>
-            <a:lvl7pPr indent="-228600" lvl="6" marL="3200400" marR="0" rtl="0" algn="l">
+            <a:lvl7pPr indent="-228600" lvl="6" marL="3200400" marR="0" algn="l">
               <a:spcBef>
                 <a:spcPts val="0"/>
               </a:spcBef>
@@ -9399,7 +9399,7 @@
               <a:buNone/>
               <a:defRPr b="0" i="0" sz="1800" u="none" cap="none" strike="noStrike"/>
             </a:lvl7pPr>
-            <a:lvl8pPr indent="-228600" lvl="7" marL="3657600" marR="0" rtl="0" algn="l">
+            <a:lvl8pPr indent="-228600" lvl="7" marL="3657600" marR="0" algn="l">
               <a:spcBef>
                 <a:spcPts val="0"/>
               </a:spcBef>
@@ -9410,7 +9410,7 @@
               <a:buNone/>
               <a:defRPr b="0" i="0" sz="1800" u="none" cap="none" strike="noStrike"/>
             </a:lvl8pPr>
-            <a:lvl9pPr indent="-228600" lvl="8" marL="4114800" marR="0" rtl="0" algn="l">
+            <a:lvl9pPr indent="-228600" lvl="8" marL="4114800" marR="0" algn="l">
               <a:spcBef>
                 <a:spcPts val="0"/>
               </a:spcBef>
@@ -11034,7 +11034,7 @@
                   <a:schemeClr val="dk1"/>
                 </a:solidFill>
               </a:rPr>
-              <a:t>application protects user accounts by hashing there passwords.</a:t>
+              <a:t>application protects user accounts by hashing their passwords.</a:t>
             </a:r>
             <a:endParaRPr sz="3200">
               <a:solidFill>
@@ -12595,9 +12595,9 @@
 </file>
 
 <file path=ppt/theme/theme1.xml><?xml version="1.0" encoding="utf-8"?>
-<a:theme xmlns:a="http://schemas.openxmlformats.org/drawingml/2006/main" xmlns:r="http://schemas.openxmlformats.org/officeDocument/2006/relationships" name="Office Theme">
+<a:theme xmlns:a="http://schemas.openxmlformats.org/drawingml/2006/main" xmlns:r="http://schemas.openxmlformats.org/officeDocument/2006/relationships">
   <a:themeElements>
-    <a:clrScheme name="Office">
+    <a:clrScheme name="Default">
       <a:dk1>
         <a:srgbClr val="000000"/>
       </a:dk1>
@@ -12605,34 +12605,34 @@
         <a:srgbClr val="FFFFFF"/>
       </a:lt1>
       <a:dk2>
-        <a:srgbClr val="1F497D"/>
+        <a:srgbClr val="158158"/>
       </a:dk2>
       <a:lt2>
-        <a:srgbClr val="EEECE1"/>
+        <a:srgbClr val="F3F3F3"/>
       </a:lt2>
       <a:accent1>
-        <a:srgbClr val="4F81BD"/>
+        <a:srgbClr val="058DC7"/>
       </a:accent1>
       <a:accent2>
-        <a:srgbClr val="C0504D"/>
+        <a:srgbClr val="50B432"/>
       </a:accent2>
       <a:accent3>
-        <a:srgbClr val="9BBB59"/>
+        <a:srgbClr val="ED561B"/>
       </a:accent3>
       <a:accent4>
-        <a:srgbClr val="8064A2"/>
+        <a:srgbClr val="EDEF00"/>
       </a:accent4>
       <a:accent5>
-        <a:srgbClr val="4BACC6"/>
+        <a:srgbClr val="24CBE5"/>
       </a:accent5>
       <a:accent6>
-        <a:srgbClr val="F79646"/>
+        <a:srgbClr val="64E572"/>
       </a:accent6>
       <a:hlink>
-        <a:srgbClr val="0000FF"/>
+        <a:srgbClr val="2200CC"/>
       </a:hlink>
       <a:folHlink>
-        <a:srgbClr val="800080"/>
+        <a:srgbClr val="551A8B"/>
       </a:folHlink>
     </a:clrScheme>
     <a:fontScheme name="Office">
@@ -13432,9 +13432,9 @@
 </file>
 
 <file path=ppt/theme/theme4.xml><?xml version="1.0" encoding="utf-8"?>
-<a:theme xmlns:a="http://schemas.openxmlformats.org/drawingml/2006/main" xmlns:r="http://schemas.openxmlformats.org/officeDocument/2006/relationships">
+<a:theme xmlns:a="http://schemas.openxmlformats.org/drawingml/2006/main" xmlns:r="http://schemas.openxmlformats.org/officeDocument/2006/relationships" name="Office Theme">
   <a:themeElements>
-    <a:clrScheme name="Default">
+    <a:clrScheme name="Office">
       <a:dk1>
         <a:srgbClr val="000000"/>
       </a:dk1>
@@ -13442,34 +13442,34 @@
         <a:srgbClr val="FFFFFF"/>
       </a:lt1>
       <a:dk2>
-        <a:srgbClr val="158158"/>
+        <a:srgbClr val="1F497D"/>
       </a:dk2>
       <a:lt2>
-        <a:srgbClr val="F3F3F3"/>
+        <a:srgbClr val="EEECE1"/>
       </a:lt2>
       <a:accent1>
-        <a:srgbClr val="058DC7"/>
+        <a:srgbClr val="4F81BD"/>
       </a:accent1>
       <a:accent2>
-        <a:srgbClr val="50B432"/>
+        <a:srgbClr val="C0504D"/>
       </a:accent2>
       <a:accent3>
-        <a:srgbClr val="ED561B"/>
+        <a:srgbClr val="9BBB59"/>
       </a:accent3>
       <a:accent4>
-        <a:srgbClr val="EDEF00"/>
+        <a:srgbClr val="8064A2"/>
       </a:accent4>
       <a:accent5>
-        <a:srgbClr val="24CBE5"/>
+        <a:srgbClr val="4BACC6"/>
       </a:accent5>
       <a:accent6>
-        <a:srgbClr val="64E572"/>
+        <a:srgbClr val="F79646"/>
       </a:accent6>
       <a:hlink>
-        <a:srgbClr val="2200CC"/>
+        <a:srgbClr val="0000FF"/>
       </a:hlink>
       <a:folHlink>
-        <a:srgbClr val="551A8B"/>
+        <a:srgbClr val="800080"/>
       </a:folHlink>
     </a:clrScheme>
     <a:fontScheme name="Office">
